--- a/auturbo_2018_spring/auturbo_2018_spring_week2.pptx
+++ b/auturbo_2018_spring/auturbo_2018_spring_week2.pptx
@@ -6,7 +6,7 @@
     <p:sldMasterId id="2147483660" r:id="rId2"/>
   </p:sldMasterIdLst>
   <p:notesMasterIdLst>
-    <p:notesMasterId r:id="rId29"/>
+    <p:notesMasterId r:id="rId31"/>
   </p:notesMasterIdLst>
   <p:sldIdLst>
     <p:sldId id="256" r:id="rId3"/>
@@ -31,10 +31,12 @@
     <p:sldId id="301" r:id="rId22"/>
     <p:sldId id="290" r:id="rId23"/>
     <p:sldId id="289" r:id="rId24"/>
-    <p:sldId id="304" r:id="rId25"/>
-    <p:sldId id="302" r:id="rId26"/>
-    <p:sldId id="303" r:id="rId27"/>
-    <p:sldId id="263" r:id="rId28"/>
+    <p:sldId id="305" r:id="rId25"/>
+    <p:sldId id="304" r:id="rId26"/>
+    <p:sldId id="306" r:id="rId27"/>
+    <p:sldId id="302" r:id="rId28"/>
+    <p:sldId id="303" r:id="rId29"/>
+    <p:sldId id="263" r:id="rId30"/>
   </p:sldIdLst>
   <p:sldSz cx="9144000" cy="6858000" type="screen4x3"/>
   <p:notesSz cx="6858000" cy="9144000"/>
@@ -15261,7 +15263,13 @@
               <a:rPr lang="ko-KR" altLang="en-US" sz="4000" dirty="0" smtClean="0">
                 <a:latin typeface="+mj-lt"/>
               </a:rPr>
-              <a:t>예제 체험</a:t>
+              <a:t>예제 체험 </a:t>
+            </a:r>
+            <a:r>
+              <a:rPr lang="en-US" altLang="ko-KR" sz="4000" dirty="0" smtClean="0">
+                <a:latin typeface="+mj-lt"/>
+              </a:rPr>
+              <a:t>1</a:t>
             </a:r>
             <a:endParaRPr lang="ko-KR" altLang="en-US" sz="4000" dirty="0">
               <a:latin typeface="+mj-lt"/>
@@ -15679,7 +15687,7 @@
     </p:spTree>
     <p:extLst>
       <p:ext uri="{BB962C8B-B14F-4D97-AF65-F5344CB8AC3E}">
-        <p14:creationId xmlns:p14="http://schemas.microsoft.com/office/powerpoint/2010/main" val="3778499211"/>
+        <p14:creationId xmlns:p14="http://schemas.microsoft.com/office/powerpoint/2010/main" val="1769017611"/>
       </p:ext>
     </p:extLst>
   </p:cSld>
@@ -15725,27 +15733,347 @@
         </p:nvSpPr>
         <p:spPr/>
         <p:txBody>
-          <a:bodyPr/>
+          <a:bodyPr>
+            <a:normAutofit/>
+          </a:bodyPr>
           <a:lstStyle/>
           <a:p>
             <a:pPr algn="l"/>
             <a:r>
-              <a:rPr lang="ko-KR" altLang="en-US" dirty="0" smtClean="0"/>
-              <a:t>다음 시간 준비물</a:t>
-            </a:r>
-            <a:endParaRPr lang="ko-KR" altLang="en-US" dirty="0"/>
+              <a:rPr lang="ko-KR" altLang="en-US" sz="4000" dirty="0" smtClean="0">
+                <a:latin typeface="+mj-lt"/>
+              </a:rPr>
+              <a:t>예제 체험 </a:t>
+            </a:r>
+            <a:r>
+              <a:rPr lang="en-US" altLang="ko-KR" sz="4000" dirty="0" smtClean="0">
+                <a:latin typeface="+mj-lt"/>
+              </a:rPr>
+              <a:t>2</a:t>
+            </a:r>
+            <a:endParaRPr lang="ko-KR" altLang="en-US" sz="4000" dirty="0">
+              <a:latin typeface="+mj-lt"/>
+            </a:endParaRPr>
+          </a:p>
+        </p:txBody>
+      </p:sp>
+      <p:sp>
+        <p:nvSpPr>
+          <p:cNvPr id="7" name="내용 개체 틀 2"/>
+          <p:cNvSpPr txBox="1">
+            <a:spLocks/>
+          </p:cNvSpPr>
+          <p:nvPr/>
+        </p:nvSpPr>
+        <p:spPr>
+          <a:xfrm>
+            <a:off x="609600" y="4301480"/>
+            <a:ext cx="8229600" cy="2404864"/>
+          </a:xfrm>
+          <a:prstGeom prst="rect">
+            <a:avLst/>
+          </a:prstGeom>
+        </p:spPr>
+        <p:txBody>
+          <a:bodyPr vert="horz" lIns="91440" tIns="45720" rIns="91440" bIns="45720" rtlCol="0">
+            <a:normAutofit fontScale="92500" lnSpcReduction="20000"/>
+          </a:bodyPr>
+          <a:lstStyle>
+            <a:lvl1pPr marL="342900" indent="-342900" algn="l" defTabSz="914400" rtl="0" eaLnBrk="1" latinLnBrk="1" hangingPunct="1">
+              <a:spcBef>
+                <a:spcPct val="20000"/>
+              </a:spcBef>
+              <a:buFont typeface="Arial" panose="020B0604020202020204" pitchFamily="34" charset="0"/>
+              <a:buChar char="•"/>
+              <a:defRPr sz="3200" kern="1200">
+                <a:solidFill>
+                  <a:schemeClr val="tx1"/>
+                </a:solidFill>
+                <a:latin typeface="+mn-lt"/>
+                <a:ea typeface="+mn-ea"/>
+                <a:cs typeface="+mn-cs"/>
+              </a:defRPr>
+            </a:lvl1pPr>
+            <a:lvl2pPr marL="742950" indent="-285750" algn="l" defTabSz="914400" rtl="0" eaLnBrk="1" latinLnBrk="1" hangingPunct="1">
+              <a:spcBef>
+                <a:spcPct val="20000"/>
+              </a:spcBef>
+              <a:buFont typeface="Arial" panose="020B0604020202020204" pitchFamily="34" charset="0"/>
+              <a:buChar char="–"/>
+              <a:defRPr sz="2800" kern="1200">
+                <a:solidFill>
+                  <a:schemeClr val="tx1"/>
+                </a:solidFill>
+                <a:latin typeface="+mn-lt"/>
+                <a:ea typeface="+mn-ea"/>
+                <a:cs typeface="+mn-cs"/>
+              </a:defRPr>
+            </a:lvl2pPr>
+            <a:lvl3pPr marL="1143000" indent="-228600" algn="l" defTabSz="914400" rtl="0" eaLnBrk="1" latinLnBrk="1" hangingPunct="1">
+              <a:spcBef>
+                <a:spcPct val="20000"/>
+              </a:spcBef>
+              <a:buFont typeface="Arial" panose="020B0604020202020204" pitchFamily="34" charset="0"/>
+              <a:buChar char="•"/>
+              <a:defRPr sz="2400" kern="1200">
+                <a:solidFill>
+                  <a:schemeClr val="tx1"/>
+                </a:solidFill>
+                <a:latin typeface="+mn-lt"/>
+                <a:ea typeface="+mn-ea"/>
+                <a:cs typeface="+mn-cs"/>
+              </a:defRPr>
+            </a:lvl3pPr>
+            <a:lvl4pPr marL="1600200" indent="-228600" algn="l" defTabSz="914400" rtl="0" eaLnBrk="1" latinLnBrk="1" hangingPunct="1">
+              <a:spcBef>
+                <a:spcPct val="20000"/>
+              </a:spcBef>
+              <a:buFont typeface="Arial" panose="020B0604020202020204" pitchFamily="34" charset="0"/>
+              <a:buChar char="–"/>
+              <a:defRPr sz="2000" kern="1200">
+                <a:solidFill>
+                  <a:schemeClr val="tx1"/>
+                </a:solidFill>
+                <a:latin typeface="+mn-lt"/>
+                <a:ea typeface="+mn-ea"/>
+                <a:cs typeface="+mn-cs"/>
+              </a:defRPr>
+            </a:lvl4pPr>
+            <a:lvl5pPr marL="2057400" indent="-228600" algn="l" defTabSz="914400" rtl="0" eaLnBrk="1" latinLnBrk="1" hangingPunct="1">
+              <a:spcBef>
+                <a:spcPct val="20000"/>
+              </a:spcBef>
+              <a:buFont typeface="Arial" panose="020B0604020202020204" pitchFamily="34" charset="0"/>
+              <a:buChar char="»"/>
+              <a:defRPr sz="2000" kern="1200">
+                <a:solidFill>
+                  <a:schemeClr val="tx1"/>
+                </a:solidFill>
+                <a:latin typeface="+mn-lt"/>
+                <a:ea typeface="+mn-ea"/>
+                <a:cs typeface="+mn-cs"/>
+              </a:defRPr>
+            </a:lvl5pPr>
+            <a:lvl6pPr marL="2514600" indent="-228600" algn="l" defTabSz="914400" rtl="0" eaLnBrk="1" latinLnBrk="1" hangingPunct="1">
+              <a:spcBef>
+                <a:spcPct val="20000"/>
+              </a:spcBef>
+              <a:buFont typeface="Arial" panose="020B0604020202020204" pitchFamily="34" charset="0"/>
+              <a:buChar char="•"/>
+              <a:defRPr sz="2000" kern="1200">
+                <a:solidFill>
+                  <a:schemeClr val="tx1"/>
+                </a:solidFill>
+                <a:latin typeface="+mn-lt"/>
+                <a:ea typeface="+mn-ea"/>
+                <a:cs typeface="+mn-cs"/>
+              </a:defRPr>
+            </a:lvl6pPr>
+            <a:lvl7pPr marL="2971800" indent="-228600" algn="l" defTabSz="914400" rtl="0" eaLnBrk="1" latinLnBrk="1" hangingPunct="1">
+              <a:spcBef>
+                <a:spcPct val="20000"/>
+              </a:spcBef>
+              <a:buFont typeface="Arial" panose="020B0604020202020204" pitchFamily="34" charset="0"/>
+              <a:buChar char="•"/>
+              <a:defRPr sz="2000" kern="1200">
+                <a:solidFill>
+                  <a:schemeClr val="tx1"/>
+                </a:solidFill>
+                <a:latin typeface="+mn-lt"/>
+                <a:ea typeface="+mn-ea"/>
+                <a:cs typeface="+mn-cs"/>
+              </a:defRPr>
+            </a:lvl7pPr>
+            <a:lvl8pPr marL="3429000" indent="-228600" algn="l" defTabSz="914400" rtl="0" eaLnBrk="1" latinLnBrk="1" hangingPunct="1">
+              <a:spcBef>
+                <a:spcPct val="20000"/>
+              </a:spcBef>
+              <a:buFont typeface="Arial" panose="020B0604020202020204" pitchFamily="34" charset="0"/>
+              <a:buChar char="•"/>
+              <a:defRPr sz="2000" kern="1200">
+                <a:solidFill>
+                  <a:schemeClr val="tx1"/>
+                </a:solidFill>
+                <a:latin typeface="+mn-lt"/>
+                <a:ea typeface="+mn-ea"/>
+                <a:cs typeface="+mn-cs"/>
+              </a:defRPr>
+            </a:lvl8pPr>
+            <a:lvl9pPr marL="3886200" indent="-228600" algn="l" defTabSz="914400" rtl="0" eaLnBrk="1" latinLnBrk="1" hangingPunct="1">
+              <a:spcBef>
+                <a:spcPct val="20000"/>
+              </a:spcBef>
+              <a:buFont typeface="Arial" panose="020B0604020202020204" pitchFamily="34" charset="0"/>
+              <a:buChar char="•"/>
+              <a:defRPr sz="2000" kern="1200">
+                <a:solidFill>
+                  <a:schemeClr val="tx1"/>
+                </a:solidFill>
+                <a:latin typeface="+mn-lt"/>
+                <a:ea typeface="+mn-ea"/>
+                <a:cs typeface="+mn-cs"/>
+              </a:defRPr>
+            </a:lvl9pPr>
+          </a:lstStyle>
+          <a:p>
+            <a:pPr marL="0" indent="0">
+              <a:buNone/>
+            </a:pPr>
+            <a:r>
+              <a:rPr lang="en-US" altLang="ko-KR" sz="2400" dirty="0" smtClean="0"/>
+              <a:t>[1</a:t>
+            </a:r>
+            <a:r>
+              <a:rPr lang="ko-KR" altLang="en-US" sz="2400" dirty="0" smtClean="0"/>
+              <a:t>번 </a:t>
+            </a:r>
+            <a:r>
+              <a:rPr lang="en-US" altLang="ko-KR" sz="2400" dirty="0"/>
+              <a:t>terminal] $ </a:t>
+            </a:r>
+            <a:r>
+              <a:rPr lang="en-US" altLang="ko-KR" sz="2400" dirty="0" err="1" smtClean="0"/>
+              <a:t>sudo</a:t>
+            </a:r>
+            <a:r>
+              <a:rPr lang="en-US" altLang="ko-KR" sz="2400" dirty="0" smtClean="0"/>
+              <a:t> apt-get install </a:t>
+            </a:r>
+            <a:r>
+              <a:rPr lang="en-US" altLang="ko-KR" sz="2400" dirty="0" err="1" smtClean="0"/>
+              <a:t>ros</a:t>
+            </a:r>
+            <a:r>
+              <a:rPr lang="en-US" altLang="ko-KR" sz="2400" dirty="0" smtClean="0"/>
+              <a:t>-kinetic-</a:t>
+            </a:r>
+            <a:r>
+              <a:rPr lang="en-US" altLang="ko-KR" sz="2400" dirty="0" err="1" smtClean="0"/>
+              <a:t>usb</a:t>
+            </a:r>
+            <a:r>
+              <a:rPr lang="en-US" altLang="ko-KR" sz="2400" dirty="0" smtClean="0"/>
+              <a:t>-cam</a:t>
+            </a:r>
+            <a:endParaRPr lang="en-US" altLang="ko-KR" sz="2400" dirty="0"/>
+          </a:p>
+          <a:p>
+            <a:pPr marL="0" indent="0">
+              <a:buFont typeface="Arial" panose="020B0604020202020204" pitchFamily="34" charset="0"/>
+              <a:buNone/>
+            </a:pPr>
+            <a:endParaRPr lang="en-US" altLang="ko-KR" sz="2400" dirty="0"/>
+          </a:p>
+          <a:p>
+            <a:pPr marL="0" indent="0">
+              <a:buFont typeface="Arial" panose="020B0604020202020204" pitchFamily="34" charset="0"/>
+              <a:buNone/>
+            </a:pPr>
+            <a:r>
+              <a:rPr lang="en-US" altLang="ko-KR" sz="2400" dirty="0" smtClean="0"/>
+              <a:t>[</a:t>
+            </a:r>
+            <a:r>
+              <a:rPr lang="en-US" altLang="ko-KR" sz="2400" dirty="0" smtClean="0"/>
+              <a:t>1</a:t>
+            </a:r>
+            <a:r>
+              <a:rPr lang="ko-KR" altLang="en-US" sz="2400" dirty="0" smtClean="0"/>
+              <a:t>번 </a:t>
+            </a:r>
+            <a:r>
+              <a:rPr lang="en-US" altLang="ko-KR" sz="2400" dirty="0" smtClean="0"/>
+              <a:t>terminal] $ </a:t>
+            </a:r>
+            <a:r>
+              <a:rPr lang="en-US" altLang="ko-KR" sz="2400" dirty="0" err="1" smtClean="0"/>
+              <a:t>roscore</a:t>
+            </a:r>
+            <a:endParaRPr lang="en-US" altLang="ko-KR" sz="2400" dirty="0" smtClean="0"/>
+          </a:p>
+          <a:p>
+            <a:endParaRPr lang="en-US" altLang="ko-KR" sz="2400" dirty="0" smtClean="0"/>
+          </a:p>
+          <a:p>
+            <a:pPr marL="0" indent="0">
+              <a:buFont typeface="Arial" panose="020B0604020202020204" pitchFamily="34" charset="0"/>
+              <a:buNone/>
+            </a:pPr>
+            <a:r>
+              <a:rPr lang="en-US" altLang="ko-KR" sz="2400" dirty="0" smtClean="0"/>
+              <a:t>[2</a:t>
+            </a:r>
+            <a:r>
+              <a:rPr lang="ko-KR" altLang="en-US" sz="2400" dirty="0" smtClean="0"/>
+              <a:t>번 </a:t>
+            </a:r>
+            <a:r>
+              <a:rPr lang="en-US" altLang="ko-KR" sz="2400" dirty="0" smtClean="0"/>
+              <a:t>terminal] $ </a:t>
+            </a:r>
+            <a:r>
+              <a:rPr lang="en-US" altLang="ko-KR" sz="2400" dirty="0" err="1" smtClean="0"/>
+              <a:t>rosrun</a:t>
+            </a:r>
+            <a:r>
+              <a:rPr lang="en-US" altLang="ko-KR" sz="2400" dirty="0" smtClean="0"/>
+              <a:t> </a:t>
+            </a:r>
+            <a:r>
+              <a:rPr lang="en-US" altLang="ko-KR" sz="2400" dirty="0" err="1" smtClean="0"/>
+              <a:t>usb_cam</a:t>
+            </a:r>
+            <a:r>
+              <a:rPr lang="en-US" altLang="ko-KR" sz="2400" dirty="0" smtClean="0"/>
+              <a:t> </a:t>
+            </a:r>
+            <a:r>
+              <a:rPr lang="en-US" altLang="ko-KR" sz="2400" dirty="0" err="1" smtClean="0"/>
+              <a:t>usb_cam_node</a:t>
+            </a:r>
+            <a:endParaRPr lang="en-US" altLang="ko-KR" sz="2400" dirty="0" smtClean="0"/>
+          </a:p>
+          <a:p>
+            <a:pPr marL="0" indent="0">
+              <a:buFont typeface="Arial" panose="020B0604020202020204" pitchFamily="34" charset="0"/>
+              <a:buNone/>
+            </a:pPr>
+            <a:endParaRPr lang="en-US" altLang="ko-KR" sz="2400" dirty="0" smtClean="0"/>
+          </a:p>
+          <a:p>
+            <a:pPr marL="0" indent="0">
+              <a:buFont typeface="Arial" panose="020B0604020202020204" pitchFamily="34" charset="0"/>
+              <a:buNone/>
+            </a:pPr>
+            <a:r>
+              <a:rPr lang="en-US" altLang="ko-KR" sz="2400" dirty="0" smtClean="0"/>
+              <a:t>[3</a:t>
+            </a:r>
+            <a:r>
+              <a:rPr lang="ko-KR" altLang="en-US" sz="2400" dirty="0" smtClean="0"/>
+              <a:t>번 </a:t>
+            </a:r>
+            <a:r>
+              <a:rPr lang="en-US" altLang="ko-KR" sz="2400" dirty="0" smtClean="0"/>
+              <a:t>terminal] $ </a:t>
+            </a:r>
+            <a:r>
+              <a:rPr lang="en-US" altLang="ko-KR" sz="2400" dirty="0" err="1" smtClean="0"/>
+              <a:t>rqt_image_view</a:t>
+            </a:r>
+            <a:endParaRPr lang="en-US" altLang="ko-KR" sz="2400" dirty="0" smtClean="0"/>
           </a:p>
         </p:txBody>
       </p:sp>
       <p:pic>
         <p:nvPicPr>
-          <p:cNvPr id="6" name="Picture 2" descr="노트북에 대한 이미지 검색결과"/>
+          <p:cNvPr id="10242" name="Picture 2" descr="logitech usb camera에 대한 이미지 검색결과"/>
           <p:cNvPicPr>
             <a:picLocks noChangeAspect="1" noChangeArrowheads="1"/>
           </p:cNvPicPr>
           <p:nvPr/>
         </p:nvPicPr>
-        <p:blipFill rotWithShape="1">
+        <p:blipFill>
           <a:blip r:embed="rId2" cstate="print">
             <a:extLst>
               <a:ext uri="{28A0092B-C50C-407E-A947-70E740481C1C}">
@@ -15753,13 +16081,15 @@
               </a:ext>
             </a:extLst>
           </a:blip>
-          <a:srcRect l="3692" t="13738" r="42219" b="5794"/>
-          <a:stretch/>
+          <a:srcRect/>
+          <a:stretch>
+            <a:fillRect/>
+          </a:stretch>
         </p:blipFill>
         <p:spPr bwMode="auto">
           <a:xfrm>
-            <a:off x="1259631" y="1943062"/>
-            <a:ext cx="3183735" cy="1989305"/>
+            <a:off x="1907704" y="1916832"/>
+            <a:ext cx="2234208" cy="1918952"/>
           </a:xfrm>
           <a:prstGeom prst="rect">
             <a:avLst/>
@@ -15778,27 +16108,29 @@
       </p:pic>
       <p:pic>
         <p:nvPicPr>
-          <p:cNvPr id="5122" name="Picture 2" descr="ROS_Robot_Programming"/>
+          <p:cNvPr id="10246" name="Picture 6" descr="face clipart에 대한 이미지 검색결과"/>
           <p:cNvPicPr>
             <a:picLocks noChangeAspect="1" noChangeArrowheads="1"/>
           </p:cNvPicPr>
           <p:nvPr/>
         </p:nvPicPr>
-        <p:blipFill rotWithShape="1">
-          <a:blip r:embed="rId3" cstate="print">
+        <p:blipFill>
+          <a:blip r:embed="rId3">
             <a:extLst>
               <a:ext uri="{28A0092B-C50C-407E-A947-70E740481C1C}">
                 <a14:useLocalDpi xmlns:a14="http://schemas.microsoft.com/office/drawing/2010/main" val="0"/>
               </a:ext>
             </a:extLst>
           </a:blip>
-          <a:srcRect r="53183"/>
-          <a:stretch/>
+          <a:srcRect/>
+          <a:stretch>
+            <a:fillRect/>
+          </a:stretch>
         </p:blipFill>
         <p:spPr bwMode="auto">
           <a:xfrm>
-            <a:off x="5724128" y="1700808"/>
-            <a:ext cx="1988192" cy="2473812"/>
+            <a:off x="4691500" y="1916832"/>
+            <a:ext cx="1800683" cy="1944216"/>
           </a:xfrm>
           <a:prstGeom prst="rect">
             <a:avLst/>
@@ -15815,187 +16147,10 @@
           </a:extLst>
         </p:spPr>
       </p:pic>
-      <p:sp>
-        <p:nvSpPr>
-          <p:cNvPr id="8" name="TextBox 7"/>
-          <p:cNvSpPr txBox="1"/>
-          <p:nvPr/>
-        </p:nvSpPr>
-        <p:spPr>
-          <a:xfrm>
-            <a:off x="6133416" y="4247318"/>
-            <a:ext cx="1169616" cy="369332"/>
-          </a:xfrm>
-          <a:prstGeom prst="rect">
-            <a:avLst/>
-          </a:prstGeom>
-          <a:noFill/>
-        </p:spPr>
-        <p:txBody>
-          <a:bodyPr wrap="none" rtlCol="0">
-            <a:spAutoFit/>
-          </a:bodyPr>
-          <a:lstStyle/>
-          <a:p>
-            <a:r>
-              <a:rPr lang="en-US" altLang="ko-KR" dirty="0" smtClean="0"/>
-              <a:t>ROS </a:t>
-            </a:r>
-            <a:r>
-              <a:rPr lang="ko-KR" altLang="en-US" dirty="0" smtClean="0"/>
-              <a:t>예습</a:t>
-            </a:r>
-            <a:endParaRPr lang="ko-KR" altLang="en-US" dirty="0"/>
-          </a:p>
-        </p:txBody>
-      </p:sp>
-      <p:sp>
-        <p:nvSpPr>
-          <p:cNvPr id="9" name="TextBox 8"/>
-          <p:cNvSpPr txBox="1"/>
-          <p:nvPr/>
-        </p:nvSpPr>
-        <p:spPr>
-          <a:xfrm>
-            <a:off x="1258776" y="4247318"/>
-            <a:ext cx="3184590" cy="646331"/>
-          </a:xfrm>
-          <a:prstGeom prst="rect">
-            <a:avLst/>
-          </a:prstGeom>
-          <a:noFill/>
-        </p:spPr>
-        <p:txBody>
-          <a:bodyPr wrap="none" rtlCol="0">
-            <a:spAutoFit/>
-          </a:bodyPr>
-          <a:lstStyle/>
-          <a:p>
-            <a:pPr algn="ctr"/>
-            <a:r>
-              <a:rPr lang="en-US" altLang="ko-KR" dirty="0" smtClean="0"/>
-              <a:t>Ubuntu </a:t>
-            </a:r>
-            <a:r>
-              <a:rPr lang="en-US" altLang="ko-KR" dirty="0" smtClean="0"/>
-              <a:t>16.04, ROS Kinetic</a:t>
-            </a:r>
-            <a:r>
-              <a:rPr lang="ko-KR" altLang="en-US" dirty="0" smtClean="0"/>
-              <a:t>이</a:t>
-            </a:r>
-            <a:endParaRPr lang="en-US" altLang="ko-KR" dirty="0"/>
-          </a:p>
-          <a:p>
-            <a:pPr algn="ctr"/>
-            <a:r>
-              <a:rPr lang="ko-KR" altLang="en-US" dirty="0" smtClean="0"/>
-              <a:t>설치된 </a:t>
-            </a:r>
-            <a:r>
-              <a:rPr lang="ko-KR" altLang="en-US" dirty="0" smtClean="0"/>
-              <a:t>노트북</a:t>
-            </a:r>
-            <a:endParaRPr lang="ko-KR" altLang="en-US" dirty="0"/>
-          </a:p>
-        </p:txBody>
-      </p:sp>
-      <p:sp>
-        <p:nvSpPr>
-          <p:cNvPr id="5" name="직사각형 4"/>
-          <p:cNvSpPr/>
-          <p:nvPr/>
-        </p:nvSpPr>
-        <p:spPr>
-          <a:xfrm>
-            <a:off x="4983024" y="4895390"/>
-            <a:ext cx="3470400" cy="584775"/>
-          </a:xfrm>
-          <a:prstGeom prst="rect">
-            <a:avLst/>
-          </a:prstGeom>
-        </p:spPr>
-        <p:txBody>
-          <a:bodyPr wrap="square">
-            <a:spAutoFit/>
-          </a:bodyPr>
-          <a:lstStyle/>
-          <a:p>
-            <a:r>
-              <a:rPr lang="en-US" altLang="ko-KR" sz="1600" dirty="0" smtClean="0"/>
-              <a:t>https://community.robotsource.org/</a:t>
-            </a:r>
-            <a:br>
-              <a:rPr lang="en-US" altLang="ko-KR" sz="1600" dirty="0" smtClean="0"/>
-            </a:br>
-            <a:r>
-              <a:rPr lang="ko-KR" altLang="en-US" sz="1600" dirty="0" smtClean="0"/>
-              <a:t>에서 가입 후 다운로드</a:t>
-            </a:r>
-            <a:endParaRPr lang="ko-KR" altLang="en-US" sz="1600" dirty="0"/>
-          </a:p>
-        </p:txBody>
-      </p:sp>
-      <p:sp>
-        <p:nvSpPr>
-          <p:cNvPr id="11" name="직사각형 10"/>
-          <p:cNvSpPr/>
-          <p:nvPr/>
-        </p:nvSpPr>
-        <p:spPr>
-          <a:xfrm>
-            <a:off x="1116298" y="4895390"/>
-            <a:ext cx="3470400" cy="584775"/>
-          </a:xfrm>
-          <a:prstGeom prst="rect">
-            <a:avLst/>
-          </a:prstGeom>
-        </p:spPr>
-        <p:txBody>
-          <a:bodyPr wrap="square">
-            <a:spAutoFit/>
-          </a:bodyPr>
-          <a:lstStyle/>
-          <a:p>
-            <a:r>
-              <a:rPr lang="en-US" altLang="ko-KR" sz="1600" dirty="0" smtClean="0"/>
-              <a:t>http://emanual.robotis.com/</a:t>
-            </a:r>
-            <a:br>
-              <a:rPr lang="en-US" altLang="ko-KR" sz="1600" dirty="0" smtClean="0"/>
-            </a:br>
-            <a:r>
-              <a:rPr lang="ko-KR" altLang="en-US" sz="1600" dirty="0" smtClean="0"/>
-              <a:t>→</a:t>
-            </a:r>
-            <a:r>
-              <a:rPr lang="en-US" altLang="ko-KR" sz="1600" dirty="0" smtClean="0"/>
-              <a:t>platform</a:t>
-            </a:r>
-            <a:r>
-              <a:rPr lang="ko-KR" altLang="en-US" sz="1600" dirty="0" smtClean="0"/>
-              <a:t>→</a:t>
-            </a:r>
-            <a:r>
-              <a:rPr lang="en-US" altLang="ko-KR" sz="1600" dirty="0" smtClean="0"/>
-              <a:t>turtlebot3</a:t>
-            </a:r>
-            <a:r>
-              <a:rPr lang="ko-KR" altLang="en-US" sz="1600" dirty="0" smtClean="0"/>
-              <a:t>→</a:t>
-            </a:r>
-            <a:r>
-              <a:rPr lang="en-US" altLang="ko-KR" sz="1600" dirty="0" smtClean="0"/>
-              <a:t>PC setup</a:t>
-            </a:r>
-            <a:endParaRPr lang="ko-KR" altLang="en-US" sz="1600" dirty="0"/>
-          </a:p>
-        </p:txBody>
-      </p:sp>
     </p:spTree>
     <p:extLst>
       <p:ext uri="{BB962C8B-B14F-4D97-AF65-F5344CB8AC3E}">
-        <p14:creationId xmlns:p14="http://schemas.microsoft.com/office/powerpoint/2010/main" val="975318304"/>
+        <p14:creationId xmlns:p14="http://schemas.microsoft.com/office/powerpoint/2010/main" val="3778499211"/>
       </p:ext>
     </p:extLst>
   </p:cSld>
@@ -16048,6 +16203,686 @@
           <a:p>
             <a:pPr algn="l"/>
             <a:r>
+              <a:rPr lang="ko-KR" altLang="en-US" sz="4000" dirty="0" smtClean="0">
+                <a:latin typeface="+mj-lt"/>
+              </a:rPr>
+              <a:t>예제 체험 </a:t>
+            </a:r>
+            <a:r>
+              <a:rPr lang="en-US" altLang="ko-KR" sz="4000" dirty="0" smtClean="0">
+                <a:latin typeface="+mj-lt"/>
+              </a:rPr>
+              <a:t>3</a:t>
+            </a:r>
+            <a:endParaRPr lang="ko-KR" altLang="en-US" sz="4000" dirty="0">
+              <a:latin typeface="+mj-lt"/>
+            </a:endParaRPr>
+          </a:p>
+        </p:txBody>
+      </p:sp>
+      <p:sp>
+        <p:nvSpPr>
+          <p:cNvPr id="7" name="내용 개체 틀 2"/>
+          <p:cNvSpPr txBox="1">
+            <a:spLocks/>
+          </p:cNvSpPr>
+          <p:nvPr/>
+        </p:nvSpPr>
+        <p:spPr>
+          <a:xfrm>
+            <a:off x="609600" y="4301480"/>
+            <a:ext cx="8229600" cy="2404864"/>
+          </a:xfrm>
+          <a:prstGeom prst="rect">
+            <a:avLst/>
+          </a:prstGeom>
+        </p:spPr>
+        <p:txBody>
+          <a:bodyPr vert="horz" lIns="91440" tIns="45720" rIns="91440" bIns="45720" rtlCol="0">
+            <a:normAutofit/>
+          </a:bodyPr>
+          <a:lstStyle>
+            <a:lvl1pPr marL="342900" indent="-342900" algn="l" defTabSz="914400" rtl="0" eaLnBrk="1" latinLnBrk="1" hangingPunct="1">
+              <a:spcBef>
+                <a:spcPct val="20000"/>
+              </a:spcBef>
+              <a:buFont typeface="Arial" panose="020B0604020202020204" pitchFamily="34" charset="0"/>
+              <a:buChar char="•"/>
+              <a:defRPr sz="3200" kern="1200">
+                <a:solidFill>
+                  <a:schemeClr val="tx1"/>
+                </a:solidFill>
+                <a:latin typeface="+mn-lt"/>
+                <a:ea typeface="+mn-ea"/>
+                <a:cs typeface="+mn-cs"/>
+              </a:defRPr>
+            </a:lvl1pPr>
+            <a:lvl2pPr marL="742950" indent="-285750" algn="l" defTabSz="914400" rtl="0" eaLnBrk="1" latinLnBrk="1" hangingPunct="1">
+              <a:spcBef>
+                <a:spcPct val="20000"/>
+              </a:spcBef>
+              <a:buFont typeface="Arial" panose="020B0604020202020204" pitchFamily="34" charset="0"/>
+              <a:buChar char="–"/>
+              <a:defRPr sz="2800" kern="1200">
+                <a:solidFill>
+                  <a:schemeClr val="tx1"/>
+                </a:solidFill>
+                <a:latin typeface="+mn-lt"/>
+                <a:ea typeface="+mn-ea"/>
+                <a:cs typeface="+mn-cs"/>
+              </a:defRPr>
+            </a:lvl2pPr>
+            <a:lvl3pPr marL="1143000" indent="-228600" algn="l" defTabSz="914400" rtl="0" eaLnBrk="1" latinLnBrk="1" hangingPunct="1">
+              <a:spcBef>
+                <a:spcPct val="20000"/>
+              </a:spcBef>
+              <a:buFont typeface="Arial" panose="020B0604020202020204" pitchFamily="34" charset="0"/>
+              <a:buChar char="•"/>
+              <a:defRPr sz="2400" kern="1200">
+                <a:solidFill>
+                  <a:schemeClr val="tx1"/>
+                </a:solidFill>
+                <a:latin typeface="+mn-lt"/>
+                <a:ea typeface="+mn-ea"/>
+                <a:cs typeface="+mn-cs"/>
+              </a:defRPr>
+            </a:lvl3pPr>
+            <a:lvl4pPr marL="1600200" indent="-228600" algn="l" defTabSz="914400" rtl="0" eaLnBrk="1" latinLnBrk="1" hangingPunct="1">
+              <a:spcBef>
+                <a:spcPct val="20000"/>
+              </a:spcBef>
+              <a:buFont typeface="Arial" panose="020B0604020202020204" pitchFamily="34" charset="0"/>
+              <a:buChar char="–"/>
+              <a:defRPr sz="2000" kern="1200">
+                <a:solidFill>
+                  <a:schemeClr val="tx1"/>
+                </a:solidFill>
+                <a:latin typeface="+mn-lt"/>
+                <a:ea typeface="+mn-ea"/>
+                <a:cs typeface="+mn-cs"/>
+              </a:defRPr>
+            </a:lvl4pPr>
+            <a:lvl5pPr marL="2057400" indent="-228600" algn="l" defTabSz="914400" rtl="0" eaLnBrk="1" latinLnBrk="1" hangingPunct="1">
+              <a:spcBef>
+                <a:spcPct val="20000"/>
+              </a:spcBef>
+              <a:buFont typeface="Arial" panose="020B0604020202020204" pitchFamily="34" charset="0"/>
+              <a:buChar char="»"/>
+              <a:defRPr sz="2000" kern="1200">
+                <a:solidFill>
+                  <a:schemeClr val="tx1"/>
+                </a:solidFill>
+                <a:latin typeface="+mn-lt"/>
+                <a:ea typeface="+mn-ea"/>
+                <a:cs typeface="+mn-cs"/>
+              </a:defRPr>
+            </a:lvl5pPr>
+            <a:lvl6pPr marL="2514600" indent="-228600" algn="l" defTabSz="914400" rtl="0" eaLnBrk="1" latinLnBrk="1" hangingPunct="1">
+              <a:spcBef>
+                <a:spcPct val="20000"/>
+              </a:spcBef>
+              <a:buFont typeface="Arial" panose="020B0604020202020204" pitchFamily="34" charset="0"/>
+              <a:buChar char="•"/>
+              <a:defRPr sz="2000" kern="1200">
+                <a:solidFill>
+                  <a:schemeClr val="tx1"/>
+                </a:solidFill>
+                <a:latin typeface="+mn-lt"/>
+                <a:ea typeface="+mn-ea"/>
+                <a:cs typeface="+mn-cs"/>
+              </a:defRPr>
+            </a:lvl6pPr>
+            <a:lvl7pPr marL="2971800" indent="-228600" algn="l" defTabSz="914400" rtl="0" eaLnBrk="1" latinLnBrk="1" hangingPunct="1">
+              <a:spcBef>
+                <a:spcPct val="20000"/>
+              </a:spcBef>
+              <a:buFont typeface="Arial" panose="020B0604020202020204" pitchFamily="34" charset="0"/>
+              <a:buChar char="•"/>
+              <a:defRPr sz="2000" kern="1200">
+                <a:solidFill>
+                  <a:schemeClr val="tx1"/>
+                </a:solidFill>
+                <a:latin typeface="+mn-lt"/>
+                <a:ea typeface="+mn-ea"/>
+                <a:cs typeface="+mn-cs"/>
+              </a:defRPr>
+            </a:lvl7pPr>
+            <a:lvl8pPr marL="3429000" indent="-228600" algn="l" defTabSz="914400" rtl="0" eaLnBrk="1" latinLnBrk="1" hangingPunct="1">
+              <a:spcBef>
+                <a:spcPct val="20000"/>
+              </a:spcBef>
+              <a:buFont typeface="Arial" panose="020B0604020202020204" pitchFamily="34" charset="0"/>
+              <a:buChar char="•"/>
+              <a:defRPr sz="2000" kern="1200">
+                <a:solidFill>
+                  <a:schemeClr val="tx1"/>
+                </a:solidFill>
+                <a:latin typeface="+mn-lt"/>
+                <a:ea typeface="+mn-ea"/>
+                <a:cs typeface="+mn-cs"/>
+              </a:defRPr>
+            </a:lvl8pPr>
+            <a:lvl9pPr marL="3886200" indent="-228600" algn="l" defTabSz="914400" rtl="0" eaLnBrk="1" latinLnBrk="1" hangingPunct="1">
+              <a:spcBef>
+                <a:spcPct val="20000"/>
+              </a:spcBef>
+              <a:buFont typeface="Arial" panose="020B0604020202020204" pitchFamily="34" charset="0"/>
+              <a:buChar char="•"/>
+              <a:defRPr sz="2000" kern="1200">
+                <a:solidFill>
+                  <a:schemeClr val="tx1"/>
+                </a:solidFill>
+                <a:latin typeface="+mn-lt"/>
+                <a:ea typeface="+mn-ea"/>
+                <a:cs typeface="+mn-cs"/>
+              </a:defRPr>
+            </a:lvl9pPr>
+          </a:lstStyle>
+          <a:p>
+            <a:pPr marL="0" indent="0">
+              <a:buNone/>
+            </a:pPr>
+            <a:r>
+              <a:rPr lang="ko-KR" altLang="en-US" sz="2400" dirty="0" smtClean="0"/>
+              <a:t>남의 컴퓨터 </a:t>
+            </a:r>
+            <a:r>
+              <a:rPr lang="en-US" altLang="ko-KR" sz="2400" dirty="0" err="1" smtClean="0"/>
+              <a:t>usb</a:t>
+            </a:r>
+            <a:r>
+              <a:rPr lang="en-US" altLang="ko-KR" sz="2400" dirty="0" smtClean="0"/>
+              <a:t> camera </a:t>
+            </a:r>
+            <a:r>
+              <a:rPr lang="ko-KR" altLang="en-US" sz="2400" dirty="0" smtClean="0"/>
+              <a:t>영상 </a:t>
+            </a:r>
+            <a:r>
+              <a:rPr lang="en-US" altLang="ko-KR" sz="2400" dirty="0" smtClean="0"/>
+              <a:t>hijack </a:t>
+            </a:r>
+            <a:r>
+              <a:rPr lang="ko-KR" altLang="en-US" sz="2400" dirty="0" smtClean="0"/>
+              <a:t>하기</a:t>
+            </a:r>
+            <a:r>
+              <a:rPr lang="en-US" altLang="ko-KR" sz="2400" dirty="0" smtClean="0"/>
+              <a:t>:</a:t>
+            </a:r>
+          </a:p>
+          <a:p>
+            <a:pPr marL="0" indent="0">
+              <a:buNone/>
+            </a:pPr>
+            <a:endParaRPr lang="en-US" altLang="ko-KR" sz="2400" dirty="0"/>
+          </a:p>
+          <a:p>
+            <a:pPr marL="0" indent="0">
+              <a:buNone/>
+            </a:pPr>
+            <a:r>
+              <a:rPr lang="ko-KR" altLang="en-US" sz="2400" dirty="0" smtClean="0"/>
+              <a:t>매니저 지시에 따라 실행</a:t>
+            </a:r>
+            <a:endParaRPr lang="en-US" altLang="ko-KR" sz="2400" dirty="0" smtClean="0"/>
+          </a:p>
+        </p:txBody>
+      </p:sp>
+      <p:pic>
+        <p:nvPicPr>
+          <p:cNvPr id="10242" name="Picture 2" descr="logitech usb camera에 대한 이미지 검색결과"/>
+          <p:cNvPicPr>
+            <a:picLocks noChangeAspect="1" noChangeArrowheads="1"/>
+          </p:cNvPicPr>
+          <p:nvPr/>
+        </p:nvPicPr>
+        <p:blipFill>
+          <a:blip r:embed="rId2" cstate="print">
+            <a:extLst>
+              <a:ext uri="{28A0092B-C50C-407E-A947-70E740481C1C}">
+                <a14:useLocalDpi xmlns:a14="http://schemas.microsoft.com/office/drawing/2010/main" val="0"/>
+              </a:ext>
+            </a:extLst>
+          </a:blip>
+          <a:srcRect/>
+          <a:stretch>
+            <a:fillRect/>
+          </a:stretch>
+        </p:blipFill>
+        <p:spPr bwMode="auto">
+          <a:xfrm>
+            <a:off x="1907704" y="1916832"/>
+            <a:ext cx="2234208" cy="1918952"/>
+          </a:xfrm>
+          <a:prstGeom prst="rect">
+            <a:avLst/>
+          </a:prstGeom>
+          <a:noFill/>
+          <a:extLst>
+            <a:ext uri="{909E8E84-426E-40DD-AFC4-6F175D3DCCD1}">
+              <a14:hiddenFill xmlns:a14="http://schemas.microsoft.com/office/drawing/2010/main">
+                <a:solidFill>
+                  <a:srgbClr val="FFFFFF"/>
+                </a:solidFill>
+              </a14:hiddenFill>
+            </a:ext>
+          </a:extLst>
+        </p:spPr>
+      </p:pic>
+      <p:pic>
+        <p:nvPicPr>
+          <p:cNvPr id="12290" name="Picture 2" descr="thief clipart에 대한 이미지 검색결과"/>
+          <p:cNvPicPr>
+            <a:picLocks noChangeAspect="1" noChangeArrowheads="1"/>
+          </p:cNvPicPr>
+          <p:nvPr/>
+        </p:nvPicPr>
+        <p:blipFill>
+          <a:blip r:embed="rId3" cstate="print">
+            <a:extLst>
+              <a:ext uri="{28A0092B-C50C-407E-A947-70E740481C1C}">
+                <a14:useLocalDpi xmlns:a14="http://schemas.microsoft.com/office/drawing/2010/main" val="0"/>
+              </a:ext>
+            </a:extLst>
+          </a:blip>
+          <a:srcRect/>
+          <a:stretch>
+            <a:fillRect/>
+          </a:stretch>
+        </p:blipFill>
+        <p:spPr bwMode="auto">
+          <a:xfrm>
+            <a:off x="4932040" y="1772816"/>
+            <a:ext cx="1866986" cy="2062968"/>
+          </a:xfrm>
+          <a:prstGeom prst="rect">
+            <a:avLst/>
+          </a:prstGeom>
+          <a:noFill/>
+          <a:extLst>
+            <a:ext uri="{909E8E84-426E-40DD-AFC4-6F175D3DCCD1}">
+              <a14:hiddenFill xmlns:a14="http://schemas.microsoft.com/office/drawing/2010/main">
+                <a:solidFill>
+                  <a:srgbClr val="FFFFFF"/>
+                </a:solidFill>
+              </a14:hiddenFill>
+            </a:ext>
+          </a:extLst>
+        </p:spPr>
+      </p:pic>
+    </p:spTree>
+    <p:extLst>
+      <p:ext uri="{BB962C8B-B14F-4D97-AF65-F5344CB8AC3E}">
+        <p14:creationId xmlns:p14="http://schemas.microsoft.com/office/powerpoint/2010/main" val="2941743181"/>
+      </p:ext>
+    </p:extLst>
+  </p:cSld>
+  <p:clrMapOvr>
+    <a:masterClrMapping/>
+  </p:clrMapOvr>
+  <p:timing>
+    <p:tnLst>
+      <p:par>
+        <p:cTn id="1" dur="indefinite" restart="never" nodeType="tmRoot"/>
+      </p:par>
+    </p:tnLst>
+  </p:timing>
+</p:sld>
+</file>
+
+<file path=ppt/slides/slide26.xml><?xml version="1.0" encoding="utf-8"?>
+<p:sld xmlns:a="http://schemas.openxmlformats.org/drawingml/2006/main" xmlns:r="http://schemas.openxmlformats.org/officeDocument/2006/relationships" xmlns:p="http://schemas.openxmlformats.org/presentationml/2006/main">
+  <p:cSld>
+    <p:spTree>
+      <p:nvGrpSpPr>
+        <p:cNvPr id="1" name=""/>
+        <p:cNvGrpSpPr/>
+        <p:nvPr/>
+      </p:nvGrpSpPr>
+      <p:grpSpPr>
+        <a:xfrm>
+          <a:off x="0" y="0"/>
+          <a:ext cx="0" cy="0"/>
+          <a:chOff x="0" y="0"/>
+          <a:chExt cx="0" cy="0"/>
+        </a:xfrm>
+      </p:grpSpPr>
+      <p:sp>
+        <p:nvSpPr>
+          <p:cNvPr id="2" name="제목 1"/>
+          <p:cNvSpPr>
+            <a:spLocks noGrp="1"/>
+          </p:cNvSpPr>
+          <p:nvPr>
+            <p:ph type="title"/>
+          </p:nvPr>
+        </p:nvSpPr>
+        <p:spPr/>
+        <p:txBody>
+          <a:bodyPr/>
+          <a:lstStyle/>
+          <a:p>
+            <a:pPr algn="l"/>
+            <a:r>
+              <a:rPr lang="ko-KR" altLang="en-US" dirty="0" smtClean="0"/>
+              <a:t>다음 시간 준비물</a:t>
+            </a:r>
+            <a:endParaRPr lang="ko-KR" altLang="en-US" dirty="0"/>
+          </a:p>
+        </p:txBody>
+      </p:sp>
+      <p:pic>
+        <p:nvPicPr>
+          <p:cNvPr id="6" name="Picture 2" descr="노트북에 대한 이미지 검색결과"/>
+          <p:cNvPicPr>
+            <a:picLocks noChangeAspect="1" noChangeArrowheads="1"/>
+          </p:cNvPicPr>
+          <p:nvPr/>
+        </p:nvPicPr>
+        <p:blipFill rotWithShape="1">
+          <a:blip r:embed="rId2" cstate="print">
+            <a:extLst>
+              <a:ext uri="{28A0092B-C50C-407E-A947-70E740481C1C}">
+                <a14:useLocalDpi xmlns:a14="http://schemas.microsoft.com/office/drawing/2010/main" val="0"/>
+              </a:ext>
+            </a:extLst>
+          </a:blip>
+          <a:srcRect l="3692" t="13738" r="42219" b="5794"/>
+          <a:stretch/>
+        </p:blipFill>
+        <p:spPr bwMode="auto">
+          <a:xfrm>
+            <a:off x="1259631" y="1943062"/>
+            <a:ext cx="3183735" cy="1989305"/>
+          </a:xfrm>
+          <a:prstGeom prst="rect">
+            <a:avLst/>
+          </a:prstGeom>
+          <a:noFill/>
+          <a:extLst>
+            <a:ext uri="{909E8E84-426E-40DD-AFC4-6F175D3DCCD1}">
+              <a14:hiddenFill xmlns:a14="http://schemas.microsoft.com/office/drawing/2010/main">
+                <a:solidFill>
+                  <a:srgbClr val="FFFFFF"/>
+                </a:solidFill>
+              </a14:hiddenFill>
+            </a:ext>
+          </a:extLst>
+        </p:spPr>
+      </p:pic>
+      <p:pic>
+        <p:nvPicPr>
+          <p:cNvPr id="5122" name="Picture 2" descr="ROS_Robot_Programming"/>
+          <p:cNvPicPr>
+            <a:picLocks noChangeAspect="1" noChangeArrowheads="1"/>
+          </p:cNvPicPr>
+          <p:nvPr/>
+        </p:nvPicPr>
+        <p:blipFill rotWithShape="1">
+          <a:blip r:embed="rId3" cstate="print">
+            <a:extLst>
+              <a:ext uri="{28A0092B-C50C-407E-A947-70E740481C1C}">
+                <a14:useLocalDpi xmlns:a14="http://schemas.microsoft.com/office/drawing/2010/main" val="0"/>
+              </a:ext>
+            </a:extLst>
+          </a:blip>
+          <a:srcRect r="53183"/>
+          <a:stretch/>
+        </p:blipFill>
+        <p:spPr bwMode="auto">
+          <a:xfrm>
+            <a:off x="5724128" y="1700808"/>
+            <a:ext cx="1988192" cy="2473812"/>
+          </a:xfrm>
+          <a:prstGeom prst="rect">
+            <a:avLst/>
+          </a:prstGeom>
+          <a:noFill/>
+          <a:extLst>
+            <a:ext uri="{909E8E84-426E-40DD-AFC4-6F175D3DCCD1}">
+              <a14:hiddenFill xmlns:a14="http://schemas.microsoft.com/office/drawing/2010/main">
+                <a:solidFill>
+                  <a:srgbClr val="FFFFFF"/>
+                </a:solidFill>
+              </a14:hiddenFill>
+            </a:ext>
+          </a:extLst>
+        </p:spPr>
+      </p:pic>
+      <p:sp>
+        <p:nvSpPr>
+          <p:cNvPr id="8" name="TextBox 7"/>
+          <p:cNvSpPr txBox="1"/>
+          <p:nvPr/>
+        </p:nvSpPr>
+        <p:spPr>
+          <a:xfrm>
+            <a:off x="6133416" y="4247318"/>
+            <a:ext cx="1169616" cy="369332"/>
+          </a:xfrm>
+          <a:prstGeom prst="rect">
+            <a:avLst/>
+          </a:prstGeom>
+          <a:noFill/>
+        </p:spPr>
+        <p:txBody>
+          <a:bodyPr wrap="none" rtlCol="0">
+            <a:spAutoFit/>
+          </a:bodyPr>
+          <a:lstStyle/>
+          <a:p>
+            <a:r>
+              <a:rPr lang="en-US" altLang="ko-KR" dirty="0" smtClean="0"/>
+              <a:t>ROS </a:t>
+            </a:r>
+            <a:r>
+              <a:rPr lang="ko-KR" altLang="en-US" dirty="0" smtClean="0"/>
+              <a:t>예습</a:t>
+            </a:r>
+            <a:endParaRPr lang="ko-KR" altLang="en-US" dirty="0"/>
+          </a:p>
+        </p:txBody>
+      </p:sp>
+      <p:sp>
+        <p:nvSpPr>
+          <p:cNvPr id="9" name="TextBox 8"/>
+          <p:cNvSpPr txBox="1"/>
+          <p:nvPr/>
+        </p:nvSpPr>
+        <p:spPr>
+          <a:xfrm>
+            <a:off x="1258776" y="4247318"/>
+            <a:ext cx="3184590" cy="646331"/>
+          </a:xfrm>
+          <a:prstGeom prst="rect">
+            <a:avLst/>
+          </a:prstGeom>
+          <a:noFill/>
+        </p:spPr>
+        <p:txBody>
+          <a:bodyPr wrap="none" rtlCol="0">
+            <a:spAutoFit/>
+          </a:bodyPr>
+          <a:lstStyle/>
+          <a:p>
+            <a:pPr algn="ctr"/>
+            <a:r>
+              <a:rPr lang="en-US" altLang="ko-KR" dirty="0" smtClean="0"/>
+              <a:t>Ubuntu </a:t>
+            </a:r>
+            <a:r>
+              <a:rPr lang="en-US" altLang="ko-KR" dirty="0" smtClean="0"/>
+              <a:t>16.04, ROS Kinetic</a:t>
+            </a:r>
+            <a:r>
+              <a:rPr lang="ko-KR" altLang="en-US" dirty="0" smtClean="0"/>
+              <a:t>이</a:t>
+            </a:r>
+            <a:endParaRPr lang="en-US" altLang="ko-KR" dirty="0"/>
+          </a:p>
+          <a:p>
+            <a:pPr algn="ctr"/>
+            <a:r>
+              <a:rPr lang="ko-KR" altLang="en-US" dirty="0" smtClean="0"/>
+              <a:t>설치된 </a:t>
+            </a:r>
+            <a:r>
+              <a:rPr lang="ko-KR" altLang="en-US" dirty="0" smtClean="0"/>
+              <a:t>노트북</a:t>
+            </a:r>
+            <a:endParaRPr lang="ko-KR" altLang="en-US" dirty="0"/>
+          </a:p>
+        </p:txBody>
+      </p:sp>
+      <p:sp>
+        <p:nvSpPr>
+          <p:cNvPr id="5" name="직사각형 4"/>
+          <p:cNvSpPr/>
+          <p:nvPr/>
+        </p:nvSpPr>
+        <p:spPr>
+          <a:xfrm>
+            <a:off x="4983024" y="4895390"/>
+            <a:ext cx="3470400" cy="584775"/>
+          </a:xfrm>
+          <a:prstGeom prst="rect">
+            <a:avLst/>
+          </a:prstGeom>
+        </p:spPr>
+        <p:txBody>
+          <a:bodyPr wrap="square">
+            <a:spAutoFit/>
+          </a:bodyPr>
+          <a:lstStyle/>
+          <a:p>
+            <a:r>
+              <a:rPr lang="en-US" altLang="ko-KR" sz="1600" dirty="0" smtClean="0"/>
+              <a:t>https://community.robotsource.org/</a:t>
+            </a:r>
+            <a:br>
+              <a:rPr lang="en-US" altLang="ko-KR" sz="1600" dirty="0" smtClean="0"/>
+            </a:br>
+            <a:r>
+              <a:rPr lang="ko-KR" altLang="en-US" sz="1600" dirty="0" smtClean="0"/>
+              <a:t>에서 가입 후 다운로드</a:t>
+            </a:r>
+            <a:endParaRPr lang="ko-KR" altLang="en-US" sz="1600" dirty="0"/>
+          </a:p>
+        </p:txBody>
+      </p:sp>
+      <p:sp>
+        <p:nvSpPr>
+          <p:cNvPr id="11" name="직사각형 10"/>
+          <p:cNvSpPr/>
+          <p:nvPr/>
+        </p:nvSpPr>
+        <p:spPr>
+          <a:xfrm>
+            <a:off x="1116298" y="4895390"/>
+            <a:ext cx="3470400" cy="584775"/>
+          </a:xfrm>
+          <a:prstGeom prst="rect">
+            <a:avLst/>
+          </a:prstGeom>
+        </p:spPr>
+        <p:txBody>
+          <a:bodyPr wrap="square">
+            <a:spAutoFit/>
+          </a:bodyPr>
+          <a:lstStyle/>
+          <a:p>
+            <a:r>
+              <a:rPr lang="en-US" altLang="ko-KR" sz="1600" dirty="0" smtClean="0"/>
+              <a:t>http://emanual.robotis.com/</a:t>
+            </a:r>
+            <a:br>
+              <a:rPr lang="en-US" altLang="ko-KR" sz="1600" dirty="0" smtClean="0"/>
+            </a:br>
+            <a:r>
+              <a:rPr lang="ko-KR" altLang="en-US" sz="1600" dirty="0" smtClean="0"/>
+              <a:t>→</a:t>
+            </a:r>
+            <a:r>
+              <a:rPr lang="en-US" altLang="ko-KR" sz="1600" dirty="0" smtClean="0"/>
+              <a:t>platform</a:t>
+            </a:r>
+            <a:r>
+              <a:rPr lang="ko-KR" altLang="en-US" sz="1600" dirty="0" smtClean="0"/>
+              <a:t>→</a:t>
+            </a:r>
+            <a:r>
+              <a:rPr lang="en-US" altLang="ko-KR" sz="1600" dirty="0" smtClean="0"/>
+              <a:t>turtlebot3</a:t>
+            </a:r>
+            <a:r>
+              <a:rPr lang="ko-KR" altLang="en-US" sz="1600" dirty="0" smtClean="0"/>
+              <a:t>→</a:t>
+            </a:r>
+            <a:r>
+              <a:rPr lang="en-US" altLang="ko-KR" sz="1600" dirty="0" smtClean="0"/>
+              <a:t>PC setup</a:t>
+            </a:r>
+            <a:endParaRPr lang="ko-KR" altLang="en-US" sz="1600" dirty="0"/>
+          </a:p>
+        </p:txBody>
+      </p:sp>
+    </p:spTree>
+    <p:extLst>
+      <p:ext uri="{BB962C8B-B14F-4D97-AF65-F5344CB8AC3E}">
+        <p14:creationId xmlns:p14="http://schemas.microsoft.com/office/powerpoint/2010/main" val="975318304"/>
+      </p:ext>
+    </p:extLst>
+  </p:cSld>
+  <p:clrMapOvr>
+    <a:masterClrMapping/>
+  </p:clrMapOvr>
+  <p:timing>
+    <p:tnLst>
+      <p:par>
+        <p:cTn id="1" dur="indefinite" restart="never" nodeType="tmRoot"/>
+      </p:par>
+    </p:tnLst>
+  </p:timing>
+</p:sld>
+</file>
+
+<file path=ppt/slides/slide27.xml><?xml version="1.0" encoding="utf-8"?>
+<p:sld xmlns:a="http://schemas.openxmlformats.org/drawingml/2006/main" xmlns:r="http://schemas.openxmlformats.org/officeDocument/2006/relationships" xmlns:p="http://schemas.openxmlformats.org/presentationml/2006/main">
+  <p:cSld>
+    <p:spTree>
+      <p:nvGrpSpPr>
+        <p:cNvPr id="1" name=""/>
+        <p:cNvGrpSpPr/>
+        <p:nvPr/>
+      </p:nvGrpSpPr>
+      <p:grpSpPr>
+        <a:xfrm>
+          <a:off x="0" y="0"/>
+          <a:ext cx="0" cy="0"/>
+          <a:chOff x="0" y="0"/>
+          <a:chExt cx="0" cy="0"/>
+        </a:xfrm>
+      </p:grpSpPr>
+      <p:sp>
+        <p:nvSpPr>
+          <p:cNvPr id="2" name="제목 1"/>
+          <p:cNvSpPr>
+            <a:spLocks noGrp="1"/>
+          </p:cNvSpPr>
+          <p:nvPr>
+            <p:ph type="title"/>
+          </p:nvPr>
+        </p:nvSpPr>
+        <p:spPr/>
+        <p:txBody>
+          <a:bodyPr>
+            <a:normAutofit/>
+          </a:bodyPr>
+          <a:lstStyle/>
+          <a:p>
+            <a:pPr algn="l"/>
+            <a:r>
               <a:rPr lang="ko-KR" altLang="en-US" dirty="0" smtClean="0"/>
               <a:t>자료</a:t>
             </a:r>
@@ -16105,7 +16940,7 @@
 </p:sld>
 </file>
 
-<file path=ppt/slides/slide26.xml><?xml version="1.0" encoding="utf-8"?>
+<file path=ppt/slides/slide28.xml><?xml version="1.0" encoding="utf-8"?>
 <p:sld xmlns:a="http://schemas.openxmlformats.org/drawingml/2006/main" xmlns:r="http://schemas.openxmlformats.org/officeDocument/2006/relationships" xmlns:p="http://schemas.openxmlformats.org/presentationml/2006/main">
   <p:cSld>
     <p:spTree>
